--- a/工作日報_葉柏漢/2021.10/2021.10.12(加班)_2021.10.13工作日報_葉柏漢.pptx
+++ b/工作日報_葉柏漢/2021.10/2021.10.12(加班)_2021.10.13工作日報_葉柏漢.pptx
@@ -115,7 +115,7 @@
   </p:defaultTextStyle>
   <p:extLst>
     <p:ext uri="{EFAFB233-063F-42B5-8137-9DF3F51BA10A}">
-      <p15:sldGuideLst xmlns:p15="http://schemas.microsoft.com/office/powerpoint/2012/main" xmlns="">
+      <p15:sldGuideLst xmlns="" xmlns:p15="http://schemas.microsoft.com/office/powerpoint/2012/main">
         <p15:guide id="1" orient="horz" pos="2160" userDrawn="1">
           <p15:clr>
             <a:srgbClr val="A4A3A4"/>
@@ -214,7 +214,7 @@
           <a:p>
             <a:fld id="{5F45278C-940B-4C39-9CBC-669F45D4F0E2}" type="datetimeFigureOut">
               <a:rPr lang="zh-CN" altLang="en-US" smtClean="0"/>
-              <a:t>2021/10/12</a:t>
+              <a:t>2021/10/13</a:t>
             </a:fld>
             <a:endParaRPr lang="zh-CN" altLang="en-US"/>
           </a:p>
@@ -611,7 +611,7 @@
           <a:p>
             <a:fld id="{D997B5FA-0921-464F-AAE1-844C04324D75}" type="datetimeFigureOut">
               <a:rPr lang="zh-CN" altLang="en-US" smtClean="0"/>
-              <a:t>2021/10/12</a:t>
+              <a:t>2021/10/13</a:t>
             </a:fld>
             <a:endParaRPr lang="zh-CN" altLang="en-US"/>
           </a:p>
@@ -791,7 +791,7 @@
           <a:p>
             <a:fld id="{D997B5FA-0921-464F-AAE1-844C04324D75}" type="datetimeFigureOut">
               <a:rPr lang="zh-CN" altLang="en-US" smtClean="0"/>
-              <a:t>2021/10/12</a:t>
+              <a:t>2021/10/13</a:t>
             </a:fld>
             <a:endParaRPr lang="zh-CN" altLang="en-US"/>
           </a:p>
@@ -981,7 +981,7 @@
           <a:p>
             <a:fld id="{D997B5FA-0921-464F-AAE1-844C04324D75}" type="datetimeFigureOut">
               <a:rPr lang="zh-CN" altLang="en-US" smtClean="0"/>
-              <a:t>2021/10/12</a:t>
+              <a:t>2021/10/13</a:t>
             </a:fld>
             <a:endParaRPr lang="zh-CN" altLang="en-US"/>
           </a:p>
@@ -1192,7 +1192,7 @@
                 </a:solidFill>
               </a:rPr>
               <a:pPr/>
-              <a:t>2021/10/12</a:t>
+              <a:t>2021/10/13</a:t>
             </a:fld>
             <a:endParaRPr lang="zh-CN" altLang="en-US">
               <a:solidFill>
@@ -1424,7 +1424,7 @@
                 </a:solidFill>
               </a:rPr>
               <a:pPr/>
-              <a:t>2021/10/12</a:t>
+              <a:t>2021/10/13</a:t>
             </a:fld>
             <a:endParaRPr lang="zh-CN" altLang="en-US">
               <a:solidFill>
@@ -1655,7 +1655,7 @@
           <a:p>
             <a:fld id="{D997B5FA-0921-464F-AAE1-844C04324D75}" type="datetimeFigureOut">
               <a:rPr lang="zh-CN" altLang="en-US" smtClean="0"/>
-              <a:t>2021/10/12</a:t>
+              <a:t>2021/10/13</a:t>
             </a:fld>
             <a:endParaRPr lang="zh-CN" altLang="en-US"/>
           </a:p>
@@ -1912,7 +1912,7 @@
           <a:p>
             <a:fld id="{D997B5FA-0921-464F-AAE1-844C04324D75}" type="datetimeFigureOut">
               <a:rPr lang="zh-CN" altLang="en-US" smtClean="0"/>
-              <a:t>2021/10/12</a:t>
+              <a:t>2021/10/13</a:t>
             </a:fld>
             <a:endParaRPr lang="zh-CN" altLang="en-US"/>
           </a:p>
@@ -2153,7 +2153,7 @@
           <a:p>
             <a:fld id="{D997B5FA-0921-464F-AAE1-844C04324D75}" type="datetimeFigureOut">
               <a:rPr lang="zh-CN" altLang="en-US" smtClean="0"/>
-              <a:t>2021/10/12</a:t>
+              <a:t>2021/10/13</a:t>
             </a:fld>
             <a:endParaRPr lang="zh-CN" altLang="en-US"/>
           </a:p>
@@ -2529,7 +2529,7 @@
           <a:p>
             <a:fld id="{D997B5FA-0921-464F-AAE1-844C04324D75}" type="datetimeFigureOut">
               <a:rPr lang="zh-CN" altLang="en-US" smtClean="0"/>
-              <a:t>2021/10/12</a:t>
+              <a:t>2021/10/13</a:t>
             </a:fld>
             <a:endParaRPr lang="zh-CN" altLang="en-US"/>
           </a:p>
@@ -2783,7 +2783,7 @@
           <a:p>
             <a:fld id="{D997B5FA-0921-464F-AAE1-844C04324D75}" type="datetimeFigureOut">
               <a:rPr lang="zh-CN" altLang="en-US" smtClean="0"/>
-              <a:t>2021/10/12</a:t>
+              <a:t>2021/10/13</a:t>
             </a:fld>
             <a:endParaRPr lang="zh-CN" altLang="en-US"/>
           </a:p>
@@ -2890,7 +2890,7 @@
           <a:p>
             <a:fld id="{D997B5FA-0921-464F-AAE1-844C04324D75}" type="datetimeFigureOut">
               <a:rPr lang="zh-CN" altLang="en-US" smtClean="0"/>
-              <a:t>2021/10/12</a:t>
+              <a:t>2021/10/13</a:t>
             </a:fld>
             <a:endParaRPr lang="zh-CN" altLang="en-US"/>
           </a:p>
@@ -3177,7 +3177,7 @@
           <a:p>
             <a:fld id="{D997B5FA-0921-464F-AAE1-844C04324D75}" type="datetimeFigureOut">
               <a:rPr lang="zh-CN" altLang="en-US" smtClean="0"/>
-              <a:t>2021/10/12</a:t>
+              <a:t>2021/10/13</a:t>
             </a:fld>
             <a:endParaRPr lang="zh-CN" altLang="en-US"/>
           </a:p>
@@ -3441,7 +3441,7 @@
           <a:p>
             <a:fld id="{D997B5FA-0921-464F-AAE1-844C04324D75}" type="datetimeFigureOut">
               <a:rPr lang="zh-CN" altLang="en-US" smtClean="0"/>
-              <a:t>2021/10/12</a:t>
+              <a:t>2021/10/13</a:t>
             </a:fld>
             <a:endParaRPr lang="zh-CN" altLang="en-US"/>
           </a:p>
@@ -3667,7 +3667,7 @@
           <a:p>
             <a:fld id="{D997B5FA-0921-464F-AAE1-844C04324D75}" type="datetimeFigureOut">
               <a:rPr lang="zh-CN" altLang="en-US" smtClean="0"/>
-              <a:t>2021/10/12</a:t>
+              <a:t>2021/10/13</a:t>
             </a:fld>
             <a:endParaRPr lang="zh-CN" altLang="en-US"/>
           </a:p>
@@ -4377,7 +4377,7 @@
           <p:cNvPr id="18" name="矩形: 圆角 17">
             <a:extLst>
               <a:ext uri="{FF2B5EF4-FFF2-40B4-BE49-F238E27FC236}">
-                <a16:creationId xmlns:a16="http://schemas.microsoft.com/office/drawing/2014/main" xmlns="" id="{822EAB1A-0613-4B84-B43A-020769A84C2F}"/>
+                <a16:creationId xmlns="" xmlns:a16="http://schemas.microsoft.com/office/drawing/2014/main" id="{822EAB1A-0613-4B84-B43A-020769A84C2F}"/>
               </a:ext>
             </a:extLst>
           </p:cNvPr>
@@ -4443,7 +4443,7 @@
           <p:cNvPr id="4" name="矩形: 圆角 3">
             <a:extLst>
               <a:ext uri="{FF2B5EF4-FFF2-40B4-BE49-F238E27FC236}">
-                <a16:creationId xmlns:a16="http://schemas.microsoft.com/office/drawing/2014/main" xmlns="" id="{CFAF4C25-9AB4-4329-B21C-0F7CB88F0784}"/>
+                <a16:creationId xmlns="" xmlns:a16="http://schemas.microsoft.com/office/drawing/2014/main" id="{CFAF4C25-9AB4-4329-B21C-0F7CB88F0784}"/>
               </a:ext>
             </a:extLst>
           </p:cNvPr>
@@ -4509,7 +4509,7 @@
           <p:cNvPr id="5" name="文本框 4">
             <a:extLst>
               <a:ext uri="{FF2B5EF4-FFF2-40B4-BE49-F238E27FC236}">
-                <a16:creationId xmlns:a16="http://schemas.microsoft.com/office/drawing/2014/main" xmlns="" id="{959F8909-6800-4D81-9559-FFAEB41A80C1}"/>
+                <a16:creationId xmlns="" xmlns:a16="http://schemas.microsoft.com/office/drawing/2014/main" id="{959F8909-6800-4D81-9559-FFAEB41A80C1}"/>
               </a:ext>
             </a:extLst>
           </p:cNvPr>
@@ -4587,7 +4587,7 @@
           <p:cNvPr id="6" name="文本框 5">
             <a:extLst>
               <a:ext uri="{FF2B5EF4-FFF2-40B4-BE49-F238E27FC236}">
-                <a16:creationId xmlns:a16="http://schemas.microsoft.com/office/drawing/2014/main" xmlns="" id="{F8829203-F363-4337-ACAC-0D2C4AE6A337}"/>
+                <a16:creationId xmlns="" xmlns:a16="http://schemas.microsoft.com/office/drawing/2014/main" id="{F8829203-F363-4337-ACAC-0D2C4AE6A337}"/>
               </a:ext>
             </a:extLst>
           </p:cNvPr>
@@ -4654,7 +4654,7 @@
           <p:cNvPr id="8" name="椭圆 7">
             <a:extLst>
               <a:ext uri="{FF2B5EF4-FFF2-40B4-BE49-F238E27FC236}">
-                <a16:creationId xmlns:a16="http://schemas.microsoft.com/office/drawing/2014/main" xmlns="" id="{08B93554-9443-4291-83BC-91BEC5088783}"/>
+                <a16:creationId xmlns="" xmlns:a16="http://schemas.microsoft.com/office/drawing/2014/main" id="{08B93554-9443-4291-83BC-91BEC5088783}"/>
               </a:ext>
             </a:extLst>
           </p:cNvPr>
@@ -4716,7 +4716,7 @@
           <p:cNvPr id="9" name="椭圆 8">
             <a:extLst>
               <a:ext uri="{FF2B5EF4-FFF2-40B4-BE49-F238E27FC236}">
-                <a16:creationId xmlns:a16="http://schemas.microsoft.com/office/drawing/2014/main" xmlns="" id="{16338DEE-2916-4AC7-A537-1507B9F2A824}"/>
+                <a16:creationId xmlns="" xmlns:a16="http://schemas.microsoft.com/office/drawing/2014/main" id="{16338DEE-2916-4AC7-A537-1507B9F2A824}"/>
               </a:ext>
             </a:extLst>
           </p:cNvPr>
@@ -4778,7 +4778,7 @@
           <p:cNvPr id="13" name="组合 12">
             <a:extLst>
               <a:ext uri="{FF2B5EF4-FFF2-40B4-BE49-F238E27FC236}">
-                <a16:creationId xmlns:a16="http://schemas.microsoft.com/office/drawing/2014/main" xmlns="" id="{C0EF9AE3-F1B9-443C-9F86-CDF322936010}"/>
+                <a16:creationId xmlns="" xmlns:a16="http://schemas.microsoft.com/office/drawing/2014/main" id="{C0EF9AE3-F1B9-443C-9F86-CDF322936010}"/>
               </a:ext>
             </a:extLst>
           </p:cNvPr>
@@ -4798,7 +4798,7 @@
             <p:cNvPr id="12" name="矩形: 圆角 11">
               <a:extLst>
                 <a:ext uri="{FF2B5EF4-FFF2-40B4-BE49-F238E27FC236}">
-                  <a16:creationId xmlns:a16="http://schemas.microsoft.com/office/drawing/2014/main" xmlns="" id="{4E9D624C-B884-49D6-955A-058878E5E13C}"/>
+                  <a16:creationId xmlns="" xmlns:a16="http://schemas.microsoft.com/office/drawing/2014/main" id="{4E9D624C-B884-49D6-955A-058878E5E13C}"/>
                 </a:ext>
               </a:extLst>
             </p:cNvPr>
@@ -4862,7 +4862,7 @@
             <p:cNvPr id="10" name="文本框 9">
               <a:extLst>
                 <a:ext uri="{FF2B5EF4-FFF2-40B4-BE49-F238E27FC236}">
-                  <a16:creationId xmlns:a16="http://schemas.microsoft.com/office/drawing/2014/main" xmlns="" id="{D7F488F0-218D-4123-B444-742EAD00AD0E}"/>
+                  <a16:creationId xmlns="" xmlns:a16="http://schemas.microsoft.com/office/drawing/2014/main" id="{D7F488F0-218D-4123-B444-742EAD00AD0E}"/>
                 </a:ext>
               </a:extLst>
             </p:cNvPr>
@@ -4920,7 +4920,7 @@
           <p:cNvPr id="16" name="组合 15">
             <a:extLst>
               <a:ext uri="{FF2B5EF4-FFF2-40B4-BE49-F238E27FC236}">
-                <a16:creationId xmlns:a16="http://schemas.microsoft.com/office/drawing/2014/main" xmlns="" id="{9653DEAF-0910-48E8-8375-9FC078E9D0D6}"/>
+                <a16:creationId xmlns="" xmlns:a16="http://schemas.microsoft.com/office/drawing/2014/main" id="{9653DEAF-0910-48E8-8375-9FC078E9D0D6}"/>
               </a:ext>
             </a:extLst>
           </p:cNvPr>
@@ -4940,7 +4940,7 @@
             <p:cNvPr id="15" name="矩形: 圆角 14">
               <a:extLst>
                 <a:ext uri="{FF2B5EF4-FFF2-40B4-BE49-F238E27FC236}">
-                  <a16:creationId xmlns:a16="http://schemas.microsoft.com/office/drawing/2014/main" xmlns="" id="{CC29E14A-0550-4BFF-99D2-A94938E4EB84}"/>
+                  <a16:creationId xmlns="" xmlns:a16="http://schemas.microsoft.com/office/drawing/2014/main" id="{CC29E14A-0550-4BFF-99D2-A94938E4EB84}"/>
                 </a:ext>
               </a:extLst>
             </p:cNvPr>
@@ -5004,7 +5004,7 @@
             <p:cNvPr id="11" name="文本框 10">
               <a:extLst>
                 <a:ext uri="{FF2B5EF4-FFF2-40B4-BE49-F238E27FC236}">
-                  <a16:creationId xmlns:a16="http://schemas.microsoft.com/office/drawing/2014/main" xmlns="" id="{333307C3-A861-42E7-A2DA-6BAC1BCA9E3C}"/>
+                  <a16:creationId xmlns="" xmlns:a16="http://schemas.microsoft.com/office/drawing/2014/main" id="{333307C3-A861-42E7-A2DA-6BAC1BCA9E3C}"/>
                 </a:ext>
               </a:extLst>
             </p:cNvPr>
@@ -5062,7 +5062,7 @@
           <p:cNvPr id="17" name="组合 15">
             <a:extLst>
               <a:ext uri="{FF2B5EF4-FFF2-40B4-BE49-F238E27FC236}">
-                <a16:creationId xmlns:a16="http://schemas.microsoft.com/office/drawing/2014/main" xmlns="" id="{9653DEAF-0910-48E8-8375-9FC078E9D0D6}"/>
+                <a16:creationId xmlns="" xmlns:a16="http://schemas.microsoft.com/office/drawing/2014/main" id="{9653DEAF-0910-48E8-8375-9FC078E9D0D6}"/>
               </a:ext>
             </a:extLst>
           </p:cNvPr>
@@ -5082,7 +5082,7 @@
             <p:cNvPr id="19" name="矩形: 圆角 14">
               <a:extLst>
                 <a:ext uri="{FF2B5EF4-FFF2-40B4-BE49-F238E27FC236}">
-                  <a16:creationId xmlns:a16="http://schemas.microsoft.com/office/drawing/2014/main" xmlns="" id="{CC29E14A-0550-4BFF-99D2-A94938E4EB84}"/>
+                  <a16:creationId xmlns="" xmlns:a16="http://schemas.microsoft.com/office/drawing/2014/main" id="{CC29E14A-0550-4BFF-99D2-A94938E4EB84}"/>
                 </a:ext>
               </a:extLst>
             </p:cNvPr>
@@ -5146,7 +5146,7 @@
             <p:cNvPr id="20" name="文本框 10">
               <a:extLst>
                 <a:ext uri="{FF2B5EF4-FFF2-40B4-BE49-F238E27FC236}">
-                  <a16:creationId xmlns:a16="http://schemas.microsoft.com/office/drawing/2014/main" xmlns="" id="{333307C3-A861-42E7-A2DA-6BAC1BCA9E3C}"/>
+                  <a16:creationId xmlns="" xmlns:a16="http://schemas.microsoft.com/office/drawing/2014/main" id="{333307C3-A861-42E7-A2DA-6BAC1BCA9E3C}"/>
                 </a:ext>
               </a:extLst>
             </p:cNvPr>
@@ -5239,7 +5239,7 @@
         <p:random/>
       </p:transition>
     </mc:Choice>
-    <mc:Fallback xmlns="" xmlns:a16="http://schemas.microsoft.com/office/drawing/2014/main">
+    <mc:Fallback xmlns:a16="http://schemas.microsoft.com/office/drawing/2014/main" xmlns="">
       <p:transition spd="slow" advTm="4078">
         <p:random/>
       </p:transition>
@@ -5696,7 +5696,7 @@
           <p:cNvPr id="7" name="组合 6">
             <a:extLst>
               <a:ext uri="{FF2B5EF4-FFF2-40B4-BE49-F238E27FC236}">
-                <a16:creationId xmlns:a16="http://schemas.microsoft.com/office/drawing/2014/main" xmlns="" id="{5016DF47-4C78-4917-983C-FFC43C3A22DB}"/>
+                <a16:creationId xmlns="" xmlns:a16="http://schemas.microsoft.com/office/drawing/2014/main" id="{5016DF47-4C78-4917-983C-FFC43C3A22DB}"/>
               </a:ext>
             </a:extLst>
           </p:cNvPr>
@@ -5716,7 +5716,7 @@
             <p:cNvPr id="4" name="文本框 3">
               <a:extLst>
                 <a:ext uri="{FF2B5EF4-FFF2-40B4-BE49-F238E27FC236}">
-                  <a16:creationId xmlns:a16="http://schemas.microsoft.com/office/drawing/2014/main" xmlns="" id="{09FE6907-8676-429A-9B5A-DC3FAFE110A8}"/>
+                  <a16:creationId xmlns="" xmlns:a16="http://schemas.microsoft.com/office/drawing/2014/main" id="{09FE6907-8676-429A-9B5A-DC3FAFE110A8}"/>
                 </a:ext>
               </a:extLst>
             </p:cNvPr>
@@ -5758,7 +5758,7 @@
             <p:cNvPr id="6" name="文本框 5">
               <a:extLst>
                 <a:ext uri="{FF2B5EF4-FFF2-40B4-BE49-F238E27FC236}">
-                  <a16:creationId xmlns:a16="http://schemas.microsoft.com/office/drawing/2014/main" xmlns="" id="{6123FD62-F930-464F-86A1-4D1030B58358}"/>
+                  <a16:creationId xmlns="" xmlns:a16="http://schemas.microsoft.com/office/drawing/2014/main" id="{6123FD62-F930-464F-86A1-4D1030B58358}"/>
                 </a:ext>
               </a:extLst>
             </p:cNvPr>
@@ -5815,7 +5815,7 @@
           <p:cNvPr id="8" name="文本框 7">
             <a:extLst>
               <a:ext uri="{FF2B5EF4-FFF2-40B4-BE49-F238E27FC236}">
-                <a16:creationId xmlns:a16="http://schemas.microsoft.com/office/drawing/2014/main" xmlns="" id="{61D68AC2-6217-4618-9FF2-2840E7AAD8C2}"/>
+                <a16:creationId xmlns="" xmlns:a16="http://schemas.microsoft.com/office/drawing/2014/main" id="{61D68AC2-6217-4618-9FF2-2840E7AAD8C2}"/>
               </a:ext>
             </a:extLst>
           </p:cNvPr>
@@ -5923,7 +5923,7 @@
         <p:random/>
       </p:transition>
     </mc:Choice>
-    <mc:Fallback xmlns="" xmlns:a16="http://schemas.microsoft.com/office/drawing/2014/main" xmlns:a14="http://schemas.microsoft.com/office/drawing/2010/main">
+    <mc:Fallback xmlns:a14="http://schemas.microsoft.com/office/drawing/2010/main" xmlns:a16="http://schemas.microsoft.com/office/drawing/2014/main" xmlns="">
       <p:transition spd="slow" advTm="4024">
         <p:random/>
       </p:transition>
@@ -6093,7 +6093,7 @@
           <p:cNvPr id="2" name="矩形 1">
             <a:extLst>
               <a:ext uri="{FF2B5EF4-FFF2-40B4-BE49-F238E27FC236}">
-                <a16:creationId xmlns="" xmlns:a16="http://schemas.microsoft.com/office/drawing/2014/main" id="{6130B33B-FCB5-4AFA-8175-BA08126D80E1}"/>
+                <a16:creationId xmlns:a16="http://schemas.microsoft.com/office/drawing/2014/main" xmlns="" id="{6130B33B-FCB5-4AFA-8175-BA08126D80E1}"/>
               </a:ext>
             </a:extLst>
           </p:cNvPr>
@@ -6151,7 +6151,7 @@
           <p:cNvPr id="3" name="组合 2">
             <a:extLst>
               <a:ext uri="{FF2B5EF4-FFF2-40B4-BE49-F238E27FC236}">
-                <a16:creationId xmlns="" xmlns:a16="http://schemas.microsoft.com/office/drawing/2014/main" id="{CF3B8F59-C87E-48F7-911B-3FCC3B1922F9}"/>
+                <a16:creationId xmlns:a16="http://schemas.microsoft.com/office/drawing/2014/main" xmlns="" id="{CF3B8F59-C87E-48F7-911B-3FCC3B1922F9}"/>
               </a:ext>
             </a:extLst>
           </p:cNvPr>
@@ -6171,7 +6171,7 @@
             <p:cNvPr id="4" name="文本框 3">
               <a:extLst>
                 <a:ext uri="{FF2B5EF4-FFF2-40B4-BE49-F238E27FC236}">
-                  <a16:creationId xmlns="" xmlns:a16="http://schemas.microsoft.com/office/drawing/2014/main" id="{F069F7C5-7C6B-4416-BA43-7E9FF2B95F70}"/>
+                  <a16:creationId xmlns:a16="http://schemas.microsoft.com/office/drawing/2014/main" xmlns="" id="{F069F7C5-7C6B-4416-BA43-7E9FF2B95F70}"/>
                 </a:ext>
               </a:extLst>
             </p:cNvPr>
@@ -6210,7 +6210,7 @@
             <p:cNvPr id="5" name="文本框 4">
               <a:extLst>
                 <a:ext uri="{FF2B5EF4-FFF2-40B4-BE49-F238E27FC236}">
-                  <a16:creationId xmlns="" xmlns:a16="http://schemas.microsoft.com/office/drawing/2014/main" id="{E7404F6D-3A40-4203-8F0A-6169C74FB4CA}"/>
+                  <a16:creationId xmlns:a16="http://schemas.microsoft.com/office/drawing/2014/main" xmlns="" id="{E7404F6D-3A40-4203-8F0A-6169C74FB4CA}"/>
                 </a:ext>
               </a:extLst>
             </p:cNvPr>
@@ -6540,7 +6540,7 @@
           <p:cNvPr id="2" name="矩形 1">
             <a:extLst>
               <a:ext uri="{FF2B5EF4-FFF2-40B4-BE49-F238E27FC236}">
-                <a16:creationId xmlns="" xmlns:a16="http://schemas.microsoft.com/office/drawing/2014/main" id="{6130B33B-FCB5-4AFA-8175-BA08126D80E1}"/>
+                <a16:creationId xmlns:a16="http://schemas.microsoft.com/office/drawing/2014/main" xmlns="" id="{6130B33B-FCB5-4AFA-8175-BA08126D80E1}"/>
               </a:ext>
             </a:extLst>
           </p:cNvPr>
@@ -6598,7 +6598,7 @@
           <p:cNvPr id="3" name="组合 2">
             <a:extLst>
               <a:ext uri="{FF2B5EF4-FFF2-40B4-BE49-F238E27FC236}">
-                <a16:creationId xmlns="" xmlns:a16="http://schemas.microsoft.com/office/drawing/2014/main" id="{CF3B8F59-C87E-48F7-911B-3FCC3B1922F9}"/>
+                <a16:creationId xmlns:a16="http://schemas.microsoft.com/office/drawing/2014/main" xmlns="" id="{CF3B8F59-C87E-48F7-911B-3FCC3B1922F9}"/>
               </a:ext>
             </a:extLst>
           </p:cNvPr>
@@ -6618,7 +6618,7 @@
             <p:cNvPr id="4" name="文本框 3">
               <a:extLst>
                 <a:ext uri="{FF2B5EF4-FFF2-40B4-BE49-F238E27FC236}">
-                  <a16:creationId xmlns="" xmlns:a16="http://schemas.microsoft.com/office/drawing/2014/main" id="{F069F7C5-7C6B-4416-BA43-7E9FF2B95F70}"/>
+                  <a16:creationId xmlns:a16="http://schemas.microsoft.com/office/drawing/2014/main" xmlns="" id="{F069F7C5-7C6B-4416-BA43-7E9FF2B95F70}"/>
                 </a:ext>
               </a:extLst>
             </p:cNvPr>
@@ -6657,7 +6657,7 @@
             <p:cNvPr id="5" name="文本框 4">
               <a:extLst>
                 <a:ext uri="{FF2B5EF4-FFF2-40B4-BE49-F238E27FC236}">
-                  <a16:creationId xmlns="" xmlns:a16="http://schemas.microsoft.com/office/drawing/2014/main" id="{E7404F6D-3A40-4203-8F0A-6169C74FB4CA}"/>
+                  <a16:creationId xmlns:a16="http://schemas.microsoft.com/office/drawing/2014/main" xmlns="" id="{E7404F6D-3A40-4203-8F0A-6169C74FB4CA}"/>
                 </a:ext>
               </a:extLst>
             </p:cNvPr>
@@ -7082,12 +7082,66 @@
           <a:chExt cx="0" cy="0"/>
         </a:xfrm>
       </p:grpSpPr>
+      <p:pic>
+        <p:nvPicPr>
+          <p:cNvPr id="1026" name="Picture 2"/>
+          <p:cNvPicPr>
+            <a:picLocks noChangeAspect="1" noChangeArrowheads="1"/>
+          </p:cNvPicPr>
+          <p:nvPr/>
+        </p:nvPicPr>
+        <p:blipFill>
+          <a:blip r:embed="rId2">
+            <a:extLst>
+              <a:ext uri="{28A0092B-C50C-407E-A947-70E740481C1C}">
+                <a14:useLocalDpi xmlns:a14="http://schemas.microsoft.com/office/drawing/2010/main" val="0"/>
+              </a:ext>
+            </a:extLst>
+          </a:blip>
+          <a:srcRect/>
+          <a:stretch>
+            <a:fillRect/>
+          </a:stretch>
+        </p:blipFill>
+        <p:spPr bwMode="auto">
+          <a:xfrm>
+            <a:off x="2435552" y="1657803"/>
+            <a:ext cx="7298108" cy="5127640"/>
+          </a:xfrm>
+          <a:prstGeom prst="rect">
+            <a:avLst/>
+          </a:prstGeom>
+          <a:noFill/>
+          <a:ln>
+            <a:noFill/>
+          </a:ln>
+          <a:extLst>
+            <a:ext uri="{909E8E84-426E-40DD-AFC4-6F175D3DCCD1}">
+              <a14:hiddenFill xmlns:a14="http://schemas.microsoft.com/office/drawing/2010/main">
+                <a:solidFill>
+                  <a:schemeClr val="accent1"/>
+                </a:solidFill>
+              </a14:hiddenFill>
+            </a:ext>
+            <a:ext uri="{91240B29-F687-4F45-9708-019B960494DF}">
+              <a14:hiddenLine xmlns:a14="http://schemas.microsoft.com/office/drawing/2010/main" w="9525">
+                <a:solidFill>
+                  <a:schemeClr val="tx1"/>
+                </a:solidFill>
+                <a:miter lim="800000"/>
+                <a:headEnd/>
+                <a:tailEnd/>
+              </a14:hiddenLine>
+            </a:ext>
+          </a:extLst>
+        </p:spPr>
+      </p:pic>
       <p:sp>
         <p:nvSpPr>
           <p:cNvPr id="2" name="矩形 1">
             <a:extLst>
               <a:ext uri="{FF2B5EF4-FFF2-40B4-BE49-F238E27FC236}">
-                <a16:creationId xmlns="" xmlns:a16="http://schemas.microsoft.com/office/drawing/2014/main" id="{6130B33B-FCB5-4AFA-8175-BA08126D80E1}"/>
+                <a16:creationId xmlns:a16="http://schemas.microsoft.com/office/drawing/2014/main" xmlns="" id="{6130B33B-FCB5-4AFA-8175-BA08126D80E1}"/>
               </a:ext>
             </a:extLst>
           </p:cNvPr>
@@ -7145,7 +7199,7 @@
           <p:cNvPr id="3" name="组合 2">
             <a:extLst>
               <a:ext uri="{FF2B5EF4-FFF2-40B4-BE49-F238E27FC236}">
-                <a16:creationId xmlns="" xmlns:a16="http://schemas.microsoft.com/office/drawing/2014/main" id="{CF3B8F59-C87E-48F7-911B-3FCC3B1922F9}"/>
+                <a16:creationId xmlns:a16="http://schemas.microsoft.com/office/drawing/2014/main" xmlns="" id="{CF3B8F59-C87E-48F7-911B-3FCC3B1922F9}"/>
               </a:ext>
             </a:extLst>
           </p:cNvPr>
@@ -7165,7 +7219,7 @@
             <p:cNvPr id="4" name="文本框 3">
               <a:extLst>
                 <a:ext uri="{FF2B5EF4-FFF2-40B4-BE49-F238E27FC236}">
-                  <a16:creationId xmlns="" xmlns:a16="http://schemas.microsoft.com/office/drawing/2014/main" id="{F069F7C5-7C6B-4416-BA43-7E9FF2B95F70}"/>
+                  <a16:creationId xmlns:a16="http://schemas.microsoft.com/office/drawing/2014/main" xmlns="" id="{F069F7C5-7C6B-4416-BA43-7E9FF2B95F70}"/>
                 </a:ext>
               </a:extLst>
             </p:cNvPr>
@@ -7204,7 +7258,7 @@
             <p:cNvPr id="5" name="文本框 4">
               <a:extLst>
                 <a:ext uri="{FF2B5EF4-FFF2-40B4-BE49-F238E27FC236}">
-                  <a16:creationId xmlns="" xmlns:a16="http://schemas.microsoft.com/office/drawing/2014/main" id="{E7404F6D-3A40-4203-8F0A-6169C74FB4CA}"/>
+                  <a16:creationId xmlns:a16="http://schemas.microsoft.com/office/drawing/2014/main" xmlns="" id="{E7404F6D-3A40-4203-8F0A-6169C74FB4CA}"/>
                 </a:ext>
               </a:extLst>
             </p:cNvPr>
@@ -7250,60 +7304,6 @@
           </p:txBody>
         </p:sp>
       </p:grpSp>
-      <p:pic>
-        <p:nvPicPr>
-          <p:cNvPr id="3074" name="Picture 2"/>
-          <p:cNvPicPr>
-            <a:picLocks noChangeAspect="1" noChangeArrowheads="1"/>
-          </p:cNvPicPr>
-          <p:nvPr/>
-        </p:nvPicPr>
-        <p:blipFill>
-          <a:blip r:embed="rId2">
-            <a:extLst>
-              <a:ext uri="{28A0092B-C50C-407E-A947-70E740481C1C}">
-                <a14:useLocalDpi xmlns:a14="http://schemas.microsoft.com/office/drawing/2010/main" val="0"/>
-              </a:ext>
-            </a:extLst>
-          </a:blip>
-          <a:srcRect/>
-          <a:stretch>
-            <a:fillRect/>
-          </a:stretch>
-        </p:blipFill>
-        <p:spPr bwMode="auto">
-          <a:xfrm>
-            <a:off x="2301607" y="1542516"/>
-            <a:ext cx="7709778" cy="5315484"/>
-          </a:xfrm>
-          <a:prstGeom prst="rect">
-            <a:avLst/>
-          </a:prstGeom>
-          <a:noFill/>
-          <a:ln>
-            <a:noFill/>
-          </a:ln>
-          <a:extLst>
-            <a:ext uri="{909E8E84-426E-40DD-AFC4-6F175D3DCCD1}">
-              <a14:hiddenFill xmlns:a14="http://schemas.microsoft.com/office/drawing/2010/main">
-                <a:solidFill>
-                  <a:schemeClr val="accent1"/>
-                </a:solidFill>
-              </a14:hiddenFill>
-            </a:ext>
-            <a:ext uri="{91240B29-F687-4F45-9708-019B960494DF}">
-              <a14:hiddenLine xmlns:a14="http://schemas.microsoft.com/office/drawing/2010/main" w="9525">
-                <a:solidFill>
-                  <a:schemeClr val="tx1"/>
-                </a:solidFill>
-                <a:miter lim="800000"/>
-                <a:headEnd/>
-                <a:tailEnd/>
-              </a14:hiddenLine>
-            </a:ext>
-          </a:extLst>
-        </p:spPr>
-      </p:pic>
       <p:sp>
         <p:nvSpPr>
           <p:cNvPr id="6" name="矩形 5"/>
@@ -7312,8 +7312,8 @@
         </p:nvSpPr>
         <p:spPr>
           <a:xfrm>
-            <a:off x="6708449" y="3785786"/>
-            <a:ext cx="2196269" cy="341834"/>
+            <a:off x="6990461" y="3879791"/>
+            <a:ext cx="2196269" cy="418744"/>
           </a:xfrm>
           <a:prstGeom prst="rect">
             <a:avLst/>
@@ -7347,6 +7347,224 @@
           <a:p>
             <a:pPr algn="ctr"/>
             <a:endParaRPr lang="zh-TW" altLang="en-US"/>
+          </a:p>
+        </p:txBody>
+      </p:sp>
+      <p:sp>
+        <p:nvSpPr>
+          <p:cNvPr id="10" name="矩形 9"/>
+          <p:cNvSpPr/>
+          <p:nvPr/>
+        </p:nvSpPr>
+        <p:spPr>
+          <a:xfrm>
+            <a:off x="6990460" y="5322605"/>
+            <a:ext cx="2196270" cy="1283293"/>
+          </a:xfrm>
+          <a:prstGeom prst="rect">
+            <a:avLst/>
+          </a:prstGeom>
+          <a:noFill/>
+          <a:ln w="38100">
+            <a:solidFill>
+              <a:srgbClr val="FF0000"/>
+            </a:solidFill>
+          </a:ln>
+        </p:spPr>
+        <p:style>
+          <a:lnRef idx="2">
+            <a:schemeClr val="accent1">
+              <a:shade val="50000"/>
+            </a:schemeClr>
+          </a:lnRef>
+          <a:fillRef idx="1">
+            <a:schemeClr val="accent1"/>
+          </a:fillRef>
+          <a:effectRef idx="0">
+            <a:schemeClr val="accent1"/>
+          </a:effectRef>
+          <a:fontRef idx="minor">
+            <a:schemeClr val="lt1"/>
+          </a:fontRef>
+        </p:style>
+        <p:txBody>
+          <a:bodyPr rtlCol="0" anchor="ctr"/>
+          <a:lstStyle/>
+          <a:p>
+            <a:pPr algn="ctr"/>
+            <a:endParaRPr lang="zh-TW" altLang="en-US"/>
+          </a:p>
+        </p:txBody>
+      </p:sp>
+      <p:sp>
+        <p:nvSpPr>
+          <p:cNvPr id="8" name="向右箭號 7"/>
+          <p:cNvSpPr/>
+          <p:nvPr/>
+        </p:nvSpPr>
+        <p:spPr>
+          <a:xfrm>
+            <a:off x="6392254" y="3879791"/>
+            <a:ext cx="452927" cy="418744"/>
+          </a:xfrm>
+          <a:prstGeom prst="rightArrow">
+            <a:avLst/>
+          </a:prstGeom>
+        </p:spPr>
+        <p:style>
+          <a:lnRef idx="2">
+            <a:schemeClr val="accent1">
+              <a:shade val="50000"/>
+            </a:schemeClr>
+          </a:lnRef>
+          <a:fillRef idx="1">
+            <a:schemeClr val="accent1"/>
+          </a:fillRef>
+          <a:effectRef idx="0">
+            <a:schemeClr val="accent1"/>
+          </a:effectRef>
+          <a:fontRef idx="minor">
+            <a:schemeClr val="lt1"/>
+          </a:fontRef>
+        </p:style>
+        <p:txBody>
+          <a:bodyPr rtlCol="0" anchor="ctr"/>
+          <a:lstStyle/>
+          <a:p>
+            <a:pPr algn="ctr"/>
+            <a:endParaRPr lang="zh-TW" altLang="en-US"/>
+          </a:p>
+        </p:txBody>
+      </p:sp>
+      <p:sp>
+        <p:nvSpPr>
+          <p:cNvPr id="12" name="向右箭號 11"/>
+          <p:cNvSpPr/>
+          <p:nvPr/>
+        </p:nvSpPr>
+        <p:spPr>
+          <a:xfrm>
+            <a:off x="6392254" y="5754879"/>
+            <a:ext cx="452927" cy="418744"/>
+          </a:xfrm>
+          <a:prstGeom prst="rightArrow">
+            <a:avLst/>
+          </a:prstGeom>
+        </p:spPr>
+        <p:style>
+          <a:lnRef idx="2">
+            <a:schemeClr val="accent1">
+              <a:shade val="50000"/>
+            </a:schemeClr>
+          </a:lnRef>
+          <a:fillRef idx="1">
+            <a:schemeClr val="accent1"/>
+          </a:fillRef>
+          <a:effectRef idx="0">
+            <a:schemeClr val="accent1"/>
+          </a:effectRef>
+          <a:fontRef idx="minor">
+            <a:schemeClr val="lt1"/>
+          </a:fontRef>
+        </p:style>
+        <p:txBody>
+          <a:bodyPr rtlCol="0" anchor="ctr"/>
+          <a:lstStyle/>
+          <a:p>
+            <a:pPr algn="ctr"/>
+            <a:endParaRPr lang="zh-TW" altLang="en-US"/>
+          </a:p>
+        </p:txBody>
+      </p:sp>
+      <p:sp>
+        <p:nvSpPr>
+          <p:cNvPr id="9" name="矩形 8"/>
+          <p:cNvSpPr/>
+          <p:nvPr/>
+        </p:nvSpPr>
+        <p:spPr>
+          <a:xfrm>
+            <a:off x="3478138" y="3584961"/>
+            <a:ext cx="2435552" cy="1008404"/>
+          </a:xfrm>
+          <a:prstGeom prst="rect">
+            <a:avLst/>
+          </a:prstGeom>
+        </p:spPr>
+        <p:style>
+          <a:lnRef idx="2">
+            <a:schemeClr val="accent1">
+              <a:shade val="50000"/>
+            </a:schemeClr>
+          </a:lnRef>
+          <a:fillRef idx="1">
+            <a:schemeClr val="accent1"/>
+          </a:fillRef>
+          <a:effectRef idx="0">
+            <a:schemeClr val="accent1"/>
+          </a:effectRef>
+          <a:fontRef idx="minor">
+            <a:schemeClr val="lt1"/>
+          </a:fontRef>
+        </p:style>
+        <p:txBody>
+          <a:bodyPr rtlCol="0" anchor="ctr"/>
+          <a:lstStyle/>
+          <a:p>
+            <a:pPr algn="ctr"/>
+            <a:r>
+              <a:rPr lang="zh-TW" altLang="en-US" dirty="0" smtClean="0"/>
+              <a:t>跟著下拉選單所選擇的使用者來顯示</a:t>
+            </a:r>
+            <a:endParaRPr lang="zh-TW" altLang="en-US" dirty="0"/>
+          </a:p>
+        </p:txBody>
+      </p:sp>
+      <p:sp>
+        <p:nvSpPr>
+          <p:cNvPr id="14" name="矩形 13"/>
+          <p:cNvSpPr/>
+          <p:nvPr/>
+        </p:nvSpPr>
+        <p:spPr>
+          <a:xfrm>
+            <a:off x="3478138" y="5460049"/>
+            <a:ext cx="2435552" cy="1008404"/>
+          </a:xfrm>
+          <a:prstGeom prst="rect">
+            <a:avLst/>
+          </a:prstGeom>
+        </p:spPr>
+        <p:style>
+          <a:lnRef idx="2">
+            <a:schemeClr val="accent1">
+              <a:shade val="50000"/>
+            </a:schemeClr>
+          </a:lnRef>
+          <a:fillRef idx="1">
+            <a:schemeClr val="accent1"/>
+          </a:fillRef>
+          <a:effectRef idx="0">
+            <a:schemeClr val="accent1"/>
+          </a:effectRef>
+          <a:fontRef idx="minor">
+            <a:schemeClr val="lt1"/>
+          </a:fontRef>
+        </p:style>
+        <p:txBody>
+          <a:bodyPr rtlCol="0" anchor="ctr"/>
+          <a:lstStyle/>
+          <a:p>
+            <a:pPr algn="ctr"/>
+            <a:r>
+              <a:rPr lang="zh-TW" altLang="en-US" dirty="0"/>
+              <a:t>當</a:t>
+            </a:r>
+            <a:r>
+              <a:rPr lang="zh-TW" altLang="en-US" dirty="0" smtClean="0"/>
+              <a:t>上方數值變動時這些價格也會跟著變動</a:t>
+            </a:r>
+            <a:endParaRPr lang="zh-TW" altLang="en-US" dirty="0"/>
           </a:p>
         </p:txBody>
       </p:sp>
@@ -7536,7 +7754,7 @@
           <p:cNvPr id="18" name="矩形: 圆角 17">
             <a:extLst>
               <a:ext uri="{FF2B5EF4-FFF2-40B4-BE49-F238E27FC236}">
-                <a16:creationId xmlns:a16="http://schemas.microsoft.com/office/drawing/2014/main" xmlns="" id="{822EAB1A-0613-4B84-B43A-020769A84C2F}"/>
+                <a16:creationId xmlns="" xmlns:a16="http://schemas.microsoft.com/office/drawing/2014/main" id="{822EAB1A-0613-4B84-B43A-020769A84C2F}"/>
               </a:ext>
             </a:extLst>
           </p:cNvPr>
@@ -7627,7 +7845,7 @@
           <p:cNvPr id="4" name="矩形: 圆角 3">
             <a:extLst>
               <a:ext uri="{FF2B5EF4-FFF2-40B4-BE49-F238E27FC236}">
-                <a16:creationId xmlns:a16="http://schemas.microsoft.com/office/drawing/2014/main" xmlns="" id="{CFAF4C25-9AB4-4329-B21C-0F7CB88F0784}"/>
+                <a16:creationId xmlns="" xmlns:a16="http://schemas.microsoft.com/office/drawing/2014/main" id="{CFAF4C25-9AB4-4329-B21C-0F7CB88F0784}"/>
               </a:ext>
             </a:extLst>
           </p:cNvPr>
@@ -7718,7 +7936,7 @@
           <p:cNvPr id="7" name="文本框 6">
             <a:extLst>
               <a:ext uri="{FF2B5EF4-FFF2-40B4-BE49-F238E27FC236}">
-                <a16:creationId xmlns:a16="http://schemas.microsoft.com/office/drawing/2014/main" xmlns="" id="{D2947702-0219-4F74-958A-0A5A704ECCC4}"/>
+                <a16:creationId xmlns="" xmlns:a16="http://schemas.microsoft.com/office/drawing/2014/main" id="{D2947702-0219-4F74-958A-0A5A704ECCC4}"/>
               </a:ext>
             </a:extLst>
           </p:cNvPr>
@@ -7795,7 +8013,7 @@
           <p:cNvPr id="8" name="椭圆 7">
             <a:extLst>
               <a:ext uri="{FF2B5EF4-FFF2-40B4-BE49-F238E27FC236}">
-                <a16:creationId xmlns:a16="http://schemas.microsoft.com/office/drawing/2014/main" xmlns="" id="{08B93554-9443-4291-83BC-91BEC5088783}"/>
+                <a16:creationId xmlns="" xmlns:a16="http://schemas.microsoft.com/office/drawing/2014/main" id="{08B93554-9443-4291-83BC-91BEC5088783}"/>
               </a:ext>
             </a:extLst>
           </p:cNvPr>
@@ -7882,7 +8100,7 @@
           <p:cNvPr id="9" name="椭圆 8">
             <a:extLst>
               <a:ext uri="{FF2B5EF4-FFF2-40B4-BE49-F238E27FC236}">
-                <a16:creationId xmlns:a16="http://schemas.microsoft.com/office/drawing/2014/main" xmlns="" id="{16338DEE-2916-4AC7-A537-1507B9F2A824}"/>
+                <a16:creationId xmlns="" xmlns:a16="http://schemas.microsoft.com/office/drawing/2014/main" id="{16338DEE-2916-4AC7-A537-1507B9F2A824}"/>
               </a:ext>
             </a:extLst>
           </p:cNvPr>
@@ -7983,7 +8201,7 @@
         <p:random/>
       </p:transition>
     </mc:Choice>
-    <mc:Fallback xmlns="" xmlns:a16="http://schemas.microsoft.com/office/drawing/2014/main">
+    <mc:Fallback xmlns:a16="http://schemas.microsoft.com/office/drawing/2014/main" xmlns="">
       <p:transition spd="slow" advTm="3880">
         <p:random/>
       </p:transition>
@@ -8337,7 +8555,7 @@
   <a:extraClrSchemeLst/>
   <a:extLst>
     <a:ext uri="{05A4C25C-085E-4340-85A3-A5531E510DB2}">
-      <thm15:themeFamily xmlns:thm15="http://schemas.microsoft.com/office/thememl/2012/main" xmlns="" name="Office Theme" id="{62F939B6-93AF-4DB8-9C6B-D6C7DFDC589F}" vid="{4A3C46E8-61CC-4603-A589-7422A47A8E4A}"/>
+      <thm15:themeFamily xmlns="" xmlns:thm15="http://schemas.microsoft.com/office/thememl/2012/main" name="Office Theme" id="{62F939B6-93AF-4DB8-9C6B-D6C7DFDC589F}" vid="{4A3C46E8-61CC-4603-A589-7422A47A8E4A}"/>
     </a:ext>
   </a:extLst>
 </a:theme>
@@ -8883,7 +9101,7 @@
   <a:extraClrSchemeLst/>
   <a:extLst>
     <a:ext uri="{05A4C25C-085E-4340-85A3-A5531E510DB2}">
-      <thm15:themeFamily xmlns:thm15="http://schemas.microsoft.com/office/thememl/2012/main" xmlns="" name="Office Theme" id="{62F939B6-93AF-4DB8-9C6B-D6C7DFDC589F}" vid="{4A3C46E8-61CC-4603-A589-7422A47A8E4A}"/>
+      <thm15:themeFamily xmlns="" xmlns:thm15="http://schemas.microsoft.com/office/thememl/2012/main" name="Office Theme" id="{62F939B6-93AF-4DB8-9C6B-D6C7DFDC589F}" vid="{4A3C46E8-61CC-4603-A589-7422A47A8E4A}"/>
     </a:ext>
   </a:extLst>
 </a:theme>
